--- a/ML Data Science Titanic.pptx
+++ b/ML Data Science Titanic.pptx
@@ -26,7 +26,6 @@
     <p:sldId id="274" r:id="rId20"/>
     <p:sldId id="276" r:id="rId21"/>
     <p:sldId id="277" r:id="rId22"/>
-    <p:sldId id="275" r:id="rId23"/>
   </p:sldIdLst>
   <p:sldSz cx="12192000" cy="6858000"/>
   <p:notesSz cx="6858000" cy="9144000"/>
@@ -131,14 +130,6 @@
     </p:ext>
   </p:extLst>
 </p:presentation>
-</file>
-
-<file path=ppt/revisionInfo.xml><?xml version="1.0" encoding="utf-8"?>
-<p1510:revInfo xmlns:a="http://schemas.openxmlformats.org/drawingml/2006/main" xmlns:r="http://schemas.openxmlformats.org/officeDocument/2006/relationships" xmlns:p1510="http://schemas.microsoft.com/office/powerpoint/2015/10/main">
-  <p1510:revLst>
-    <p1510:client id="{B41230F0-B190-AC41-9FA5-348073540AD6}" v="18" dt="2023-11-09T04:56:18.781"/>
-  </p1510:revLst>
-</p1510:revInfo>
 </file>
 
 <file path=ppt/slideLayouts/slideLayout1.xml><?xml version="1.0" encoding="utf-8"?>
@@ -5951,89 +5942,6 @@
 </p:sld>
 </file>
 
-<file path=ppt/slides/slide22.xml><?xml version="1.0" encoding="utf-8"?>
-<p:sld xmlns:a="http://schemas.openxmlformats.org/drawingml/2006/main" xmlns:r="http://schemas.openxmlformats.org/officeDocument/2006/relationships" xmlns:p="http://schemas.openxmlformats.org/presentationml/2006/main">
-  <p:cSld>
-    <p:spTree>
-      <p:nvGrpSpPr>
-        <p:cNvPr id="1" name=""/>
-        <p:cNvGrpSpPr/>
-        <p:nvPr/>
-      </p:nvGrpSpPr>
-      <p:grpSpPr>
-        <a:xfrm>
-          <a:off x="0" y="0"/>
-          <a:ext cx="0" cy="0"/>
-          <a:chOff x="0" y="0"/>
-          <a:chExt cx="0" cy="0"/>
-        </a:xfrm>
-      </p:grpSpPr>
-      <p:sp>
-        <p:nvSpPr>
-          <p:cNvPr id="2" name="Title 1">
-            <a:extLst>
-              <a:ext uri="{FF2B5EF4-FFF2-40B4-BE49-F238E27FC236}">
-                <a16:creationId xmlns:a16="http://schemas.microsoft.com/office/drawing/2014/main" id="{E19825E7-9698-0C3A-CC79-224099080CE5}"/>
-              </a:ext>
-            </a:extLst>
-          </p:cNvPr>
-          <p:cNvSpPr>
-            <a:spLocks noGrp="1"/>
-          </p:cNvSpPr>
-          <p:nvPr>
-            <p:ph type="title"/>
-          </p:nvPr>
-        </p:nvSpPr>
-        <p:spPr/>
-        <p:txBody>
-          <a:bodyPr/>
-          <a:lstStyle/>
-          <a:p>
-            <a:r>
-              <a:rPr lang="en-US" dirty="0"/>
-              <a:t>Passenger’s Age - Hypothesis</a:t>
-            </a:r>
-          </a:p>
-        </p:txBody>
-      </p:sp>
-      <p:sp>
-        <p:nvSpPr>
-          <p:cNvPr id="3" name="Content Placeholder 2">
-            <a:extLst>
-              <a:ext uri="{FF2B5EF4-FFF2-40B4-BE49-F238E27FC236}">
-                <a16:creationId xmlns:a16="http://schemas.microsoft.com/office/drawing/2014/main" id="{F64CBE53-810F-A9D0-00FB-8061EFD8764B}"/>
-              </a:ext>
-            </a:extLst>
-          </p:cNvPr>
-          <p:cNvSpPr>
-            <a:spLocks noGrp="1"/>
-          </p:cNvSpPr>
-          <p:nvPr>
-            <p:ph idx="1"/>
-          </p:nvPr>
-        </p:nvSpPr>
-        <p:spPr/>
-        <p:txBody>
-          <a:bodyPr/>
-          <a:lstStyle/>
-          <a:p>
-            <a:endParaRPr lang="en-US"/>
-          </a:p>
-        </p:txBody>
-      </p:sp>
-    </p:spTree>
-    <p:extLst>
-      <p:ext uri="{BB962C8B-B14F-4D97-AF65-F5344CB8AC3E}">
-        <p14:creationId xmlns:p14="http://schemas.microsoft.com/office/powerpoint/2010/main" val="1386614288"/>
-      </p:ext>
-    </p:extLst>
-  </p:cSld>
-  <p:clrMapOvr>
-    <a:masterClrMapping/>
-  </p:clrMapOvr>
-</p:sld>
-</file>
-
 <file path=ppt/slides/slide3.xml><?xml version="1.0" encoding="utf-8"?>
 <p:sld xmlns:a="http://schemas.openxmlformats.org/drawingml/2006/main" xmlns:r="http://schemas.openxmlformats.org/officeDocument/2006/relationships" xmlns:p="http://schemas.openxmlformats.org/presentationml/2006/main">
   <p:cSld>
